--- a/devdocs/EnvNoiseDetectorPosterExampleWhite_v2.pptx
+++ b/devdocs/EnvNoiseDetectorPosterExampleWhite_v2.pptx
@@ -124,6 +124,147 @@
     </p:ext>
   </p:extLst>
 </p:presentation>
+</file>
+
+<file path=ppt/changesInfos/changesInfo1.xml><?xml version="1.0" encoding="utf-8"?>
+<pc:chgInfo xmlns:a="http://schemas.openxmlformats.org/drawingml/2006/main" xmlns:r="http://schemas.openxmlformats.org/officeDocument/2006/relationships" xmlns:ac="http://schemas.microsoft.com/office/drawing/2013/main/command" xmlns:pc="http://schemas.microsoft.com/office/powerpoint/2013/main/command">
+  <pc:docChgLst>
+    <pc:chgData name="Todd Schultz" userId="ba2af144d448b369" providerId="LiveId" clId="{DCCFD9F7-8467-4B55-949C-D4DF018331E4}"/>
+    <pc:docChg chg="undo custSel modSld">
+      <pc:chgData name="Todd Schultz" userId="ba2af144d448b369" providerId="LiveId" clId="{DCCFD9F7-8467-4B55-949C-D4DF018331E4}" dt="2019-03-08T04:41:29.372" v="1630" actId="1036"/>
+      <pc:docMkLst>
+        <pc:docMk/>
+      </pc:docMkLst>
+      <pc:sldChg chg="modSp">
+        <pc:chgData name="Todd Schultz" userId="ba2af144d448b369" providerId="LiveId" clId="{DCCFD9F7-8467-4B55-949C-D4DF018331E4}" dt="2019-03-08T04:41:29.372" v="1630" actId="1036"/>
+        <pc:sldMkLst>
+          <pc:docMk/>
+          <pc:sldMk cId="2702275411" sldId="256"/>
+        </pc:sldMkLst>
+        <pc:spChg chg="mod">
+          <ac:chgData name="Todd Schultz" userId="ba2af144d448b369" providerId="LiveId" clId="{DCCFD9F7-8467-4B55-949C-D4DF018331E4}" dt="2019-03-08T04:25:08.978" v="489" actId="6549"/>
+          <ac:spMkLst>
+            <pc:docMk/>
+            <pc:sldMk cId="2702275411" sldId="256"/>
+            <ac:spMk id="7" creationId="{51E8A9D9-AF04-4342-86DB-31AC1790BFA6}"/>
+          </ac:spMkLst>
+        </pc:spChg>
+        <pc:spChg chg="mod">
+          <ac:chgData name="Todd Schultz" userId="ba2af144d448b369" providerId="LiveId" clId="{DCCFD9F7-8467-4B55-949C-D4DF018331E4}" dt="2019-03-08T04:32:33.552" v="903" actId="14100"/>
+          <ac:spMkLst>
+            <pc:docMk/>
+            <pc:sldMk cId="2702275411" sldId="256"/>
+            <ac:spMk id="10" creationId="{73E8B18E-B3E7-4B27-91B2-ADF9300886BC}"/>
+          </ac:spMkLst>
+        </pc:spChg>
+        <pc:spChg chg="mod">
+          <ac:chgData name="Todd Schultz" userId="ba2af144d448b369" providerId="LiveId" clId="{DCCFD9F7-8467-4B55-949C-D4DF018331E4}" dt="2019-03-08T04:32:40.602" v="904" actId="14100"/>
+          <ac:spMkLst>
+            <pc:docMk/>
+            <pc:sldMk cId="2702275411" sldId="256"/>
+            <ac:spMk id="11" creationId="{799B69CE-233C-42AB-81A7-B99D6FBD52A1}"/>
+          </ac:spMkLst>
+        </pc:spChg>
+        <pc:spChg chg="mod">
+          <ac:chgData name="Todd Schultz" userId="ba2af144d448b369" providerId="LiveId" clId="{DCCFD9F7-8467-4B55-949C-D4DF018331E4}" dt="2019-03-08T04:41:06.154" v="1603" actId="255"/>
+          <ac:spMkLst>
+            <pc:docMk/>
+            <pc:sldMk cId="2702275411" sldId="256"/>
+            <ac:spMk id="13" creationId="{66802A07-8FC0-4428-85DD-AC54AA97936A}"/>
+          </ac:spMkLst>
+        </pc:spChg>
+        <pc:spChg chg="mod">
+          <ac:chgData name="Todd Schultz" userId="ba2af144d448b369" providerId="LiveId" clId="{DCCFD9F7-8467-4B55-949C-D4DF018331E4}" dt="2019-03-08T04:40:59.709" v="1602" actId="255"/>
+          <ac:spMkLst>
+            <pc:docMk/>
+            <pc:sldMk cId="2702275411" sldId="256"/>
+            <ac:spMk id="15" creationId="{C033A537-DA35-4C54-A541-47C00AD4203E}"/>
+          </ac:spMkLst>
+        </pc:spChg>
+        <pc:spChg chg="mod">
+          <ac:chgData name="Todd Schultz" userId="ba2af144d448b369" providerId="LiveId" clId="{DCCFD9F7-8467-4B55-949C-D4DF018331E4}" dt="2019-03-08T04:40:52.928" v="1601" actId="255"/>
+          <ac:spMkLst>
+            <pc:docMk/>
+            <pc:sldMk cId="2702275411" sldId="256"/>
+            <ac:spMk id="17" creationId="{33D93144-0C38-491B-BBDF-75B7D09210DE}"/>
+          </ac:spMkLst>
+        </pc:spChg>
+        <pc:spChg chg="mod">
+          <ac:chgData name="Todd Schultz" userId="ba2af144d448b369" providerId="LiveId" clId="{DCCFD9F7-8467-4B55-949C-D4DF018331E4}" dt="2019-03-08T04:40:21.333" v="1599" actId="20577"/>
+          <ac:spMkLst>
+            <pc:docMk/>
+            <pc:sldMk cId="2702275411" sldId="256"/>
+            <ac:spMk id="19" creationId="{EB8CCA73-A480-4AB6-8114-A25146FF7D0B}"/>
+          </ac:spMkLst>
+        </pc:spChg>
+        <pc:spChg chg="mod">
+          <ac:chgData name="Todd Schultz" userId="ba2af144d448b369" providerId="LiveId" clId="{DCCFD9F7-8467-4B55-949C-D4DF018331E4}" dt="2019-03-08T04:35:16.259" v="929" actId="20577"/>
+          <ac:spMkLst>
+            <pc:docMk/>
+            <pc:sldMk cId="2702275411" sldId="256"/>
+            <ac:spMk id="27" creationId="{4D175D9D-1009-468A-A739-F755DB191293}"/>
+          </ac:spMkLst>
+        </pc:spChg>
+        <pc:spChg chg="mod">
+          <ac:chgData name="Todd Schultz" userId="ba2af144d448b369" providerId="LiveId" clId="{DCCFD9F7-8467-4B55-949C-D4DF018331E4}" dt="2019-03-08T04:33:11.145" v="905" actId="403"/>
+          <ac:spMkLst>
+            <pc:docMk/>
+            <pc:sldMk cId="2702275411" sldId="256"/>
+            <ac:spMk id="31" creationId="{50BB62F4-1A4F-488D-BD88-677A7BE07198}"/>
+          </ac:spMkLst>
+        </pc:spChg>
+        <pc:spChg chg="mod">
+          <ac:chgData name="Todd Schultz" userId="ba2af144d448b369" providerId="LiveId" clId="{DCCFD9F7-8467-4B55-949C-D4DF018331E4}" dt="2019-03-08T04:34:17.101" v="909" actId="14100"/>
+          <ac:spMkLst>
+            <pc:docMk/>
+            <pc:sldMk cId="2702275411" sldId="256"/>
+            <ac:spMk id="36" creationId="{5EA8D1C3-E889-46A4-A3CC-BFEC0345F205}"/>
+          </ac:spMkLst>
+        </pc:spChg>
+        <pc:spChg chg="mod">
+          <ac:chgData name="Todd Schultz" userId="ba2af144d448b369" providerId="LiveId" clId="{DCCFD9F7-8467-4B55-949C-D4DF018331E4}" dt="2019-03-08T04:33:17.402" v="907" actId="403"/>
+          <ac:spMkLst>
+            <pc:docMk/>
+            <pc:sldMk cId="2702275411" sldId="256"/>
+            <ac:spMk id="37" creationId="{C02823B1-1604-45B3-81C3-523EB6306250}"/>
+          </ac:spMkLst>
+        </pc:spChg>
+        <pc:spChg chg="mod">
+          <ac:chgData name="Todd Schultz" userId="ba2af144d448b369" providerId="LiveId" clId="{DCCFD9F7-8467-4B55-949C-D4DF018331E4}" dt="2019-03-08T04:41:29.372" v="1630" actId="1036"/>
+          <ac:spMkLst>
+            <pc:docMk/>
+            <pc:sldMk cId="2702275411" sldId="256"/>
+            <ac:spMk id="43" creationId="{705A9662-156B-4643-BFA1-6792F4852C8C}"/>
+          </ac:spMkLst>
+        </pc:spChg>
+        <pc:spChg chg="mod">
+          <ac:chgData name="Todd Schultz" userId="ba2af144d448b369" providerId="LiveId" clId="{DCCFD9F7-8467-4B55-949C-D4DF018331E4}" dt="2019-03-08T04:41:26.158" v="1625" actId="1036"/>
+          <ac:spMkLst>
+            <pc:docMk/>
+            <pc:sldMk cId="2702275411" sldId="256"/>
+            <ac:spMk id="44" creationId="{A276ECBD-802E-4A0D-8AD5-6DD0E12515EB}"/>
+          </ac:spMkLst>
+        </pc:spChg>
+        <pc:picChg chg="mod">
+          <ac:chgData name="Todd Schultz" userId="ba2af144d448b369" providerId="LiveId" clId="{DCCFD9F7-8467-4B55-949C-D4DF018331E4}" dt="2019-03-08T04:32:33.552" v="903" actId="14100"/>
+          <ac:picMkLst>
+            <pc:docMk/>
+            <pc:sldMk cId="2702275411" sldId="256"/>
+            <ac:picMk id="23" creationId="{D7ADD7D7-7D5A-4BEA-B2D8-41F60D0D5244}"/>
+          </ac:picMkLst>
+        </pc:picChg>
+        <pc:picChg chg="mod">
+          <ac:chgData name="Todd Schultz" userId="ba2af144d448b369" providerId="LiveId" clId="{DCCFD9F7-8467-4B55-949C-D4DF018331E4}" dt="2019-03-08T04:32:33.552" v="903" actId="14100"/>
+          <ac:picMkLst>
+            <pc:docMk/>
+            <pc:sldMk cId="2702275411" sldId="256"/>
+            <ac:picMk id="24" creationId="{9081AA8E-A1DE-448E-AA5B-88D0E96AF688}"/>
+          </ac:picMkLst>
+        </pc:picChg>
+      </pc:sldChg>
+    </pc:docChg>
+  </pc:docChgLst>
+</pc:chgInfo>
 </file>
 
 <file path=ppt/notesMasters/notesMaster1.xml><?xml version="1.0" encoding="utf-8"?>
@@ -3643,7 +3784,7 @@
         <p:spPr>
           <a:xfrm>
             <a:off x="910713" y="4457700"/>
-            <a:ext cx="8863566" cy="7017306"/>
+            <a:ext cx="8863566" cy="6555641"/>
           </a:xfrm>
           <a:prstGeom prst="rect">
             <a:avLst/>
@@ -3666,13 +3807,59 @@
             </a:r>
           </a:p>
           <a:p>
+            <a:pPr marL="457200" indent="-457200">
+              <a:buFont typeface="Arial" panose="020B0604020202020204" pitchFamily="34" charset="0"/>
+              <a:buChar char="•"/>
+            </a:pPr>
             <a:r>
               <a:rPr lang="en-US" sz="3000" dirty="0">
                 <a:latin typeface="Open Sans" panose="020B0606030504020204" pitchFamily="34" charset="0"/>
                 <a:ea typeface="Open Sans" panose="020B0606030504020204" pitchFamily="34" charset="0"/>
                 <a:cs typeface="Open Sans" panose="020B0606030504020204" pitchFamily="34" charset="0"/>
               </a:rPr>
-              <a:t>Regulatory agencies of aviation look to reduce the amount of noise generated by aircraft while the number of flights continuing to increase. The noise certification process for aircraft is expensive and requires monitoring personnel. Due to the remote location of these tests, contamination of the audio data is possible from birds, insects, various wildlife, and road traffic.</a:t>
+              <a:t>Public demand for reduced noise population forcing regulatory agencies to reduce aircraft noise limits</a:t>
+            </a:r>
+          </a:p>
+          <a:p>
+            <a:pPr marL="457200" indent="-457200">
+              <a:buFont typeface="Arial" panose="020B0604020202020204" pitchFamily="34" charset="0"/>
+              <a:buChar char="•"/>
+            </a:pPr>
+            <a:r>
+              <a:rPr lang="en-US" sz="3000" dirty="0">
+                <a:latin typeface="Open Sans" panose="020B0606030504020204" pitchFamily="34" charset="0"/>
+                <a:ea typeface="Open Sans" panose="020B0606030504020204" pitchFamily="34" charset="0"/>
+                <a:cs typeface="Open Sans" panose="020B0606030504020204" pitchFamily="34" charset="0"/>
+              </a:rPr>
+              <a:t>Certification process is expensive</a:t>
+            </a:r>
+          </a:p>
+          <a:p>
+            <a:pPr marL="457200" indent="-457200">
+              <a:buFont typeface="Arial" panose="020B0604020202020204" pitchFamily="34" charset="0"/>
+              <a:buChar char="•"/>
+            </a:pPr>
+            <a:r>
+              <a:rPr lang="en-US" sz="3000" dirty="0">
+                <a:latin typeface="Open Sans" panose="020B0606030504020204" pitchFamily="34" charset="0"/>
+                <a:ea typeface="Open Sans" panose="020B0606030504020204" pitchFamily="34" charset="0"/>
+                <a:cs typeface="Open Sans" panose="020B0606030504020204" pitchFamily="34" charset="0"/>
+              </a:rPr>
+              <a:t>Monitoring personal used to lower risk higher certified noise levels by noise contamination</a:t>
+            </a:r>
+          </a:p>
+          <a:p>
+            <a:pPr marL="457200" indent="-457200">
+              <a:buFont typeface="Arial" panose="020B0604020202020204" pitchFamily="34" charset="0"/>
+              <a:buChar char="•"/>
+            </a:pPr>
+            <a:r>
+              <a:rPr lang="en-US" sz="3000" dirty="0">
+                <a:latin typeface="Open Sans" panose="020B0606030504020204" pitchFamily="34" charset="0"/>
+                <a:ea typeface="Open Sans" panose="020B0606030504020204" pitchFamily="34" charset="0"/>
+                <a:cs typeface="Open Sans" panose="020B0606030504020204" pitchFamily="34" charset="0"/>
+              </a:rPr>
+              <a:t>Contamination sources include birds, insects, livestock, and road traffic</a:t>
             </a:r>
           </a:p>
           <a:p>
@@ -3759,7 +3946,7 @@
         </p:nvSpPr>
         <p:spPr>
           <a:xfrm>
-            <a:off x="907026" y="12357598"/>
+            <a:off x="907026" y="11732758"/>
             <a:ext cx="14608468" cy="646331"/>
           </a:xfrm>
           <a:prstGeom prst="rect">
@@ -3804,8 +3991,8 @@
         </p:nvSpPr>
         <p:spPr>
           <a:xfrm>
-            <a:off x="921774" y="13213344"/>
-            <a:ext cx="10054713" cy="7017306"/>
+            <a:off x="921775" y="12588504"/>
+            <a:ext cx="9822426" cy="7940635"/>
           </a:xfrm>
           <a:prstGeom prst="rect">
             <a:avLst/>
@@ -3915,29 +4102,101 @@
             </a:r>
           </a:p>
           <a:p>
+            <a:pPr marL="457200" indent="-457200">
+              <a:buFont typeface="Arial" panose="020B0604020202020204" pitchFamily="34" charset="0"/>
+              <a:buChar char="•"/>
+            </a:pPr>
             <a:r>
               <a:rPr lang="en-US" sz="3000" dirty="0">
                 <a:latin typeface="Open Sans" panose="020B0606030504020204" pitchFamily="34" charset="0"/>
                 <a:ea typeface="Open Sans" panose="020B0606030504020204" pitchFamily="34" charset="0"/>
                 <a:cs typeface="Open Sans" panose="020B0606030504020204" pitchFamily="34" charset="0"/>
               </a:rPr>
-              <a:t>To generate the data set a clean signal file is first split into blocks of length </a:t>
+              <a:t>Aircraft audio file split into blocks</a:t>
             </a:r>
-            <a:r>
-              <a:rPr lang="en-US" sz="3000" i="1" dirty="0">
-                <a:latin typeface="Open Sans" panose="020B0606030504020204" pitchFamily="34" charset="0"/>
-                <a:ea typeface="Open Sans" panose="020B0606030504020204" pitchFamily="34" charset="0"/>
-                <a:cs typeface="Open Sans" panose="020B0606030504020204" pitchFamily="34" charset="0"/>
-              </a:rPr>
-              <a:t>t</a:t>
-            </a:r>
+          </a:p>
+          <a:p>
+            <a:pPr marL="457200" indent="-457200">
+              <a:buFont typeface="Arial" panose="020B0604020202020204" pitchFamily="34" charset="0"/>
+              <a:buChar char="•"/>
+            </a:pPr>
             <a:r>
               <a:rPr lang="en-US" sz="3000" dirty="0">
                 <a:latin typeface="Open Sans" panose="020B0606030504020204" pitchFamily="34" charset="0"/>
                 <a:ea typeface="Open Sans" panose="020B0606030504020204" pitchFamily="34" charset="0"/>
                 <a:cs typeface="Open Sans" panose="020B0606030504020204" pitchFamily="34" charset="0"/>
               </a:rPr>
-              <a:t>. If designated to be a file with contamination audio, an unclean signal is added at the desired signal-to-noise ratio to allow for finer-grained control. Features are then generated for each block and the resulting feature set can be handed to a model for training.</a:t>
+              <a:t>Feature set generated</a:t>
+            </a:r>
+          </a:p>
+          <a:p>
+            <a:pPr marL="457200" indent="-457200">
+              <a:buFont typeface="Arial" panose="020B0604020202020204" pitchFamily="34" charset="0"/>
+              <a:buChar char="•"/>
+            </a:pPr>
+            <a:r>
+              <a:rPr lang="en-US" sz="3000" dirty="0">
+                <a:latin typeface="Open Sans" panose="020B0606030504020204" pitchFamily="34" charset="0"/>
+                <a:ea typeface="Open Sans" panose="020B0606030504020204" pitchFamily="34" charset="0"/>
+                <a:cs typeface="Open Sans" panose="020B0606030504020204" pitchFamily="34" charset="0"/>
+              </a:rPr>
+              <a:t>Contamination audio file chosen and split into blocks</a:t>
+            </a:r>
+          </a:p>
+          <a:p>
+            <a:pPr marL="457200" indent="-457200">
+              <a:buFont typeface="Arial" panose="020B0604020202020204" pitchFamily="34" charset="0"/>
+              <a:buChar char="•"/>
+            </a:pPr>
+            <a:r>
+              <a:rPr lang="en-US" sz="3000" dirty="0">
+                <a:latin typeface="Open Sans" panose="020B0606030504020204" pitchFamily="34" charset="0"/>
+                <a:ea typeface="Open Sans" panose="020B0606030504020204" pitchFamily="34" charset="0"/>
+                <a:cs typeface="Open Sans" panose="020B0606030504020204" pitchFamily="34" charset="0"/>
+              </a:rPr>
+              <a:t>Contamination added to aircraft signal with desired signal-to-noise ratio</a:t>
+            </a:r>
+          </a:p>
+          <a:p>
+            <a:pPr marL="457200" indent="-457200">
+              <a:buFont typeface="Arial" panose="020B0604020202020204" pitchFamily="34" charset="0"/>
+              <a:buChar char="•"/>
+            </a:pPr>
+            <a:r>
+              <a:rPr lang="en-US" sz="3000" dirty="0">
+                <a:latin typeface="Open Sans" panose="020B0606030504020204" pitchFamily="34" charset="0"/>
+                <a:ea typeface="Open Sans" panose="020B0606030504020204" pitchFamily="34" charset="0"/>
+                <a:cs typeface="Open Sans" panose="020B0606030504020204" pitchFamily="34" charset="0"/>
+              </a:rPr>
+              <a:t>Contaminated features generated</a:t>
+            </a:r>
+          </a:p>
+          <a:p>
+            <a:pPr marL="457200" indent="-457200">
+              <a:buFont typeface="Arial" panose="020B0604020202020204" pitchFamily="34" charset="0"/>
+              <a:buChar char="•"/>
+            </a:pPr>
+            <a:r>
+              <a:rPr lang="en-US" sz="3000" dirty="0">
+                <a:latin typeface="Open Sans" panose="020B0606030504020204" pitchFamily="34" charset="0"/>
+                <a:ea typeface="Open Sans" panose="020B0606030504020204" pitchFamily="34" charset="0"/>
+                <a:cs typeface="Open Sans" panose="020B0606030504020204" pitchFamily="34" charset="0"/>
+              </a:rPr>
+              <a:t>Repeated for all aircraft audio files</a:t>
+            </a:r>
+          </a:p>
+          <a:p>
+            <a:pPr marL="457200" indent="-457200">
+              <a:buFont typeface="Arial" panose="020B0604020202020204" pitchFamily="34" charset="0"/>
+              <a:buChar char="•"/>
+            </a:pPr>
+            <a:r>
+              <a:rPr lang="en-US" sz="3000" dirty="0">
+                <a:latin typeface="Open Sans" panose="020B0606030504020204" pitchFamily="34" charset="0"/>
+                <a:ea typeface="Open Sans" panose="020B0606030504020204" pitchFamily="34" charset="0"/>
+                <a:cs typeface="Open Sans" panose="020B0606030504020204" pitchFamily="34" charset="0"/>
+              </a:rPr>
+              <a:t>All generated features combined into set for model training</a:t>
             </a:r>
           </a:p>
         </p:txBody>
@@ -4010,7 +4269,7 @@
         <p:spPr>
           <a:xfrm>
             <a:off x="34749292" y="17125831"/>
-            <a:ext cx="8277225" cy="6124754"/>
+            <a:ext cx="8277225" cy="6524863"/>
           </a:xfrm>
           <a:prstGeom prst="rect">
             <a:avLst/>
@@ -4028,7 +4287,7 @@
               <a:buChar char="•"/>
             </a:pPr>
             <a:r>
-              <a:rPr lang="en-US" sz="2800" dirty="0">
+              <a:rPr lang="en-US" sz="3000" dirty="0">
                 <a:latin typeface="Open Sans" panose="020B0606030504020204" pitchFamily="34" charset="0"/>
                 <a:ea typeface="Open Sans" panose="020B0606030504020204" pitchFamily="34" charset="0"/>
                 <a:cs typeface="Open Sans" panose="020B0606030504020204" pitchFamily="34" charset="0"/>
@@ -4042,7 +4301,7 @@
               <a:buChar char="•"/>
             </a:pPr>
             <a:r>
-              <a:rPr lang="en-US" sz="2800" dirty="0">
+              <a:rPr lang="en-US" sz="3000" dirty="0">
                 <a:latin typeface="Open Sans" panose="020B0606030504020204" pitchFamily="34" charset="0"/>
                 <a:ea typeface="Open Sans" panose="020B0606030504020204" pitchFamily="34" charset="0"/>
                 <a:cs typeface="Open Sans" panose="020B0606030504020204" pitchFamily="34" charset="0"/>
@@ -4056,7 +4315,7 @@
               <a:buChar char="•"/>
             </a:pPr>
             <a:r>
-              <a:rPr lang="en-US" sz="2800" dirty="0">
+              <a:rPr lang="en-US" sz="3000" dirty="0">
                 <a:latin typeface="Open Sans" panose="020B0606030504020204" pitchFamily="34" charset="0"/>
                 <a:ea typeface="Open Sans" panose="020B0606030504020204" pitchFamily="34" charset="0"/>
                 <a:cs typeface="Open Sans" panose="020B0606030504020204" pitchFamily="34" charset="0"/>
@@ -4070,7 +4329,7 @@
               <a:buChar char="•"/>
             </a:pPr>
             <a:r>
-              <a:rPr lang="en-US" sz="2800" dirty="0">
+              <a:rPr lang="en-US" sz="3000" dirty="0">
                 <a:latin typeface="Open Sans" panose="020B0606030504020204" pitchFamily="34" charset="0"/>
                 <a:ea typeface="Open Sans" panose="020B0606030504020204" pitchFamily="34" charset="0"/>
                 <a:cs typeface="Open Sans" panose="020B0606030504020204" pitchFamily="34" charset="0"/>
@@ -4084,7 +4343,7 @@
               <a:buChar char="•"/>
             </a:pPr>
             <a:r>
-              <a:rPr lang="en-US" sz="2800" dirty="0">
+              <a:rPr lang="en-US" sz="3000" dirty="0">
                 <a:latin typeface="Open Sans" panose="020B0606030504020204" pitchFamily="34" charset="0"/>
                 <a:ea typeface="Open Sans" panose="020B0606030504020204" pitchFamily="34" charset="0"/>
                 <a:cs typeface="Open Sans" panose="020B0606030504020204" pitchFamily="34" charset="0"/>
@@ -4098,7 +4357,7 @@
               <a:buChar char="•"/>
             </a:pPr>
             <a:r>
-              <a:rPr lang="en-US" sz="2800" dirty="0">
+              <a:rPr lang="en-US" sz="3000" dirty="0">
                 <a:latin typeface="Open Sans" panose="020B0606030504020204" pitchFamily="34" charset="0"/>
                 <a:ea typeface="Open Sans" panose="020B0606030504020204" pitchFamily="34" charset="0"/>
                 <a:cs typeface="Open Sans" panose="020B0606030504020204" pitchFamily="34" charset="0"/>
@@ -4183,7 +4442,7 @@
         <p:spPr>
           <a:xfrm>
             <a:off x="34709407" y="4457700"/>
-            <a:ext cx="8277225" cy="5262979"/>
+            <a:ext cx="8277225" cy="6555641"/>
           </a:xfrm>
           <a:prstGeom prst="rect">
             <a:avLst/>
@@ -4197,7 +4456,7 @@
           <a:lstStyle/>
           <a:p>
             <a:r>
-              <a:rPr lang="en-US" sz="2800" b="1" dirty="0">
+              <a:rPr lang="en-US" sz="3000" b="1" dirty="0">
                 <a:latin typeface="Open Sans" panose="020B0606030504020204" pitchFamily="34" charset="0"/>
                 <a:ea typeface="Open Sans" panose="020B0606030504020204" pitchFamily="34" charset="0"/>
                 <a:cs typeface="Open Sans" panose="020B0606030504020204" pitchFamily="34" charset="0"/>
@@ -4207,7 +4466,7 @@
           </a:p>
           <a:p>
             <a:r>
-              <a:rPr lang="en-US" sz="2800" dirty="0">
+              <a:rPr lang="en-US" sz="3000" dirty="0">
                 <a:latin typeface="Open Sans" panose="020B0606030504020204" pitchFamily="34" charset="0"/>
                 <a:ea typeface="Open Sans" panose="020B0606030504020204" pitchFamily="34" charset="0"/>
                 <a:cs typeface="Open Sans" panose="020B0606030504020204" pitchFamily="34" charset="0"/>
@@ -4216,7 +4475,7 @@
             </a:r>
           </a:p>
           <a:p>
-            <a:endParaRPr lang="en-US" sz="2800" dirty="0">
+            <a:endParaRPr lang="en-US" sz="3000" dirty="0">
               <a:latin typeface="Open Sans" panose="020B0606030504020204" pitchFamily="34" charset="0"/>
               <a:ea typeface="Open Sans" panose="020B0606030504020204" pitchFamily="34" charset="0"/>
               <a:cs typeface="Open Sans" panose="020B0606030504020204" pitchFamily="34" charset="0"/>
@@ -4224,7 +4483,7 @@
           </a:p>
           <a:p>
             <a:r>
-              <a:rPr lang="en-US" sz="2800" b="1" dirty="0">
+              <a:rPr lang="en-US" sz="3000" b="1" dirty="0">
                 <a:latin typeface="Open Sans" panose="020B0606030504020204" pitchFamily="34" charset="0"/>
                 <a:ea typeface="Open Sans" panose="020B0606030504020204" pitchFamily="34" charset="0"/>
                 <a:cs typeface="Open Sans" panose="020B0606030504020204" pitchFamily="34" charset="0"/>
@@ -4234,7 +4493,7 @@
           </a:p>
           <a:p>
             <a:r>
-              <a:rPr lang="en-US" sz="2800" dirty="0">
+              <a:rPr lang="en-US" sz="3000" dirty="0">
                 <a:latin typeface="Open Sans" panose="020B0606030504020204" pitchFamily="34" charset="0"/>
                 <a:ea typeface="Open Sans" panose="020B0606030504020204" pitchFamily="34" charset="0"/>
                 <a:cs typeface="Open Sans" panose="020B0606030504020204" pitchFamily="34" charset="0"/>
@@ -4312,7 +4571,7 @@
         <p:spPr>
           <a:xfrm>
             <a:off x="34709407" y="11880563"/>
-            <a:ext cx="8277225" cy="3539430"/>
+            <a:ext cx="8277225" cy="4247317"/>
           </a:xfrm>
           <a:prstGeom prst="rect">
             <a:avLst/>
@@ -4326,7 +4585,7 @@
           <a:lstStyle/>
           <a:p>
             <a:r>
-              <a:rPr lang="en-US" sz="2800" dirty="0">
+              <a:rPr lang="en-US" sz="3000" dirty="0">
                 <a:latin typeface="Open Sans" panose="020B0606030504020204" pitchFamily="34" charset="0"/>
                 <a:ea typeface="Open Sans" panose="020B0606030504020204" pitchFamily="34" charset="0"/>
                 <a:cs typeface="Open Sans" panose="020B0606030504020204" pitchFamily="34" charset="0"/>
@@ -4335,7 +4594,7 @@
             </a:r>
           </a:p>
           <a:p>
-            <a:endParaRPr lang="en-US" sz="2800" dirty="0">
+            <a:endParaRPr lang="en-US" sz="3000" dirty="0">
               <a:latin typeface="Open Sans" panose="020B0606030504020204" pitchFamily="34" charset="0"/>
               <a:ea typeface="Open Sans" panose="020B0606030504020204" pitchFamily="34" charset="0"/>
               <a:cs typeface="Open Sans" panose="020B0606030504020204" pitchFamily="34" charset="0"/>
@@ -4343,7 +4602,7 @@
           </a:p>
           <a:p>
             <a:r>
-              <a:rPr lang="en-US" sz="2800" dirty="0">
+              <a:rPr lang="en-US" sz="3000" dirty="0">
                 <a:latin typeface="Open Sans" panose="020B0606030504020204" pitchFamily="34" charset="0"/>
                 <a:ea typeface="Open Sans" panose="020B0606030504020204" pitchFamily="34" charset="0"/>
                 <a:cs typeface="Open Sans" panose="020B0606030504020204" pitchFamily="34" charset="0"/>
@@ -4421,7 +4680,7 @@
         <p:spPr>
           <a:xfrm>
             <a:off x="872111" y="21612608"/>
-            <a:ext cx="14643381" cy="11172289"/>
+            <a:ext cx="14643381" cy="9325630"/>
           </a:xfrm>
           <a:prstGeom prst="rect">
             <a:avLst/>
@@ -4459,11 +4718,6 @@
               </a:rPr>
               <a:t>Broad Investigation</a:t>
             </a:r>
-            <a:endParaRPr lang="en-US" sz="3000" dirty="0">
-              <a:latin typeface="Open Sans" panose="020B0606030504020204" pitchFamily="34" charset="0"/>
-              <a:ea typeface="Open Sans" panose="020B0606030504020204" pitchFamily="34" charset="0"/>
-              <a:cs typeface="Open Sans" panose="020B0606030504020204" pitchFamily="34" charset="0"/>
-            </a:endParaRPr>
           </a:p>
           <a:p>
             <a:r>
@@ -4472,24 +4726,49 @@
                 <a:ea typeface="Open Sans" panose="020B0606030504020204" pitchFamily="34" charset="0"/>
                 <a:cs typeface="Open Sans" panose="020B0606030504020204" pitchFamily="34" charset="0"/>
               </a:rPr>
-              <a:t>To get a general idea of how different feature sets and models perform on this classification task, our initial broad investigation’s goal was to enumerate as many feature set, model pairings as possible while limiting the block size and holding the signal-to-noise ratio constant.</a:t>
+              <a:t>Objective: To gain insight to which broad categories of feature sets and model combinations might provide the best prediction accuracy</a:t>
             </a:r>
           </a:p>
           <a:p>
-            <a:endParaRPr lang="en-US" sz="3000" dirty="0">
-              <a:latin typeface="Open Sans" panose="020B0606030504020204" pitchFamily="34" charset="0"/>
-              <a:ea typeface="Open Sans" panose="020B0606030504020204" pitchFamily="34" charset="0"/>
-              <a:cs typeface="Open Sans" panose="020B0606030504020204" pitchFamily="34" charset="0"/>
-            </a:endParaRPr>
-          </a:p>
-          <a:p>
+            <a:pPr marL="457200" indent="-457200">
+              <a:buFont typeface="Arial" panose="020B0604020202020204" pitchFamily="34" charset="0"/>
+              <a:buChar char="•"/>
+            </a:pPr>
             <a:r>
               <a:rPr lang="en-US" sz="3000" dirty="0">
                 <a:latin typeface="Open Sans" panose="020B0606030504020204" pitchFamily="34" charset="0"/>
                 <a:ea typeface="Open Sans" panose="020B0606030504020204" pitchFamily="34" charset="0"/>
                 <a:cs typeface="Open Sans" panose="020B0606030504020204" pitchFamily="34" charset="0"/>
               </a:rPr>
-              <a:t>For this investigation, models were trained with their default hyperparameters and settings.</a:t>
+              <a:t>Signal-to-noise ratio held at 6 dB</a:t>
+            </a:r>
+          </a:p>
+          <a:p>
+            <a:pPr marL="457200" indent="-457200">
+              <a:buFont typeface="Arial" panose="020B0604020202020204" pitchFamily="34" charset="0"/>
+              <a:buChar char="•"/>
+            </a:pPr>
+            <a:r>
+              <a:rPr lang="en-US" sz="3000" dirty="0">
+                <a:latin typeface="Open Sans" panose="020B0606030504020204" pitchFamily="34" charset="0"/>
+                <a:ea typeface="Open Sans" panose="020B0606030504020204" pitchFamily="34" charset="0"/>
+                <a:cs typeface="Open Sans" panose="020B0606030504020204" pitchFamily="34" charset="0"/>
+              </a:rPr>
+              <a:t>Block size limited to only 1 seconds or 2 seconds</a:t>
+            </a:r>
+          </a:p>
+          <a:p>
+            <a:pPr marL="457200" indent="-457200">
+              <a:buFont typeface="Arial" panose="020B0604020202020204" pitchFamily="34" charset="0"/>
+              <a:buChar char="•"/>
+            </a:pPr>
+            <a:r>
+              <a:rPr lang="en-US" sz="3000" dirty="0">
+                <a:latin typeface="Open Sans" panose="020B0606030504020204" pitchFamily="34" charset="0"/>
+                <a:ea typeface="Open Sans" panose="020B0606030504020204" pitchFamily="34" charset="0"/>
+                <a:cs typeface="Open Sans" panose="020B0606030504020204" pitchFamily="34" charset="0"/>
+              </a:rPr>
+              <a:t>Used default hyperparameters and settings when training models</a:t>
             </a:r>
           </a:p>
           <a:p>
@@ -4516,19 +4795,8 @@
                 <a:ea typeface="Open Sans" panose="020B0606030504020204" pitchFamily="34" charset="0"/>
                 <a:cs typeface="Open Sans" panose="020B0606030504020204" pitchFamily="34" charset="0"/>
               </a:rPr>
-              <a:t>After selecting three of the best performing feature set, model pairs, our more thorough investigation includes each of the following steps to understand how they might behave in a more real-world scenario.</a:t>
+              <a:t>Objective: To optimize a limited set of feature set and model combinations for their best performance and subject them to rigorous testing to understand real-world performance</a:t>
             </a:r>
-          </a:p>
-          <a:p>
-            <a:pPr marL="971550" lvl="1" indent="-514350">
-              <a:buFont typeface="+mj-lt"/>
-              <a:buAutoNum type="arabicPeriod"/>
-            </a:pPr>
-            <a:endParaRPr lang="en-US" sz="3000" dirty="0">
-              <a:latin typeface="Open Sans" panose="020B0606030504020204" pitchFamily="34" charset="0"/>
-              <a:ea typeface="Open Sans" panose="020B0606030504020204" pitchFamily="34" charset="0"/>
-              <a:cs typeface="Open Sans" panose="020B0606030504020204" pitchFamily="34" charset="0"/>
-            </a:endParaRPr>
           </a:p>
           <a:p>
             <a:pPr marL="971550" lvl="1" indent="-514350">
@@ -18216,7 +18484,7 @@
         <p:spPr>
           <a:xfrm>
             <a:off x="16112853" y="14710629"/>
-            <a:ext cx="17946917" cy="523220"/>
+            <a:ext cx="17946917" cy="584775"/>
           </a:xfrm>
           <a:prstGeom prst="rect">
             <a:avLst/>
@@ -18236,7 +18504,23 @@
                 <a:ea typeface="Open Sans" panose="020B0606030504020204" pitchFamily="34" charset="0"/>
                 <a:cs typeface="Open Sans" panose="020B0606030504020204" pitchFamily="34" charset="0"/>
               </a:rPr>
-              <a:t>The three feature set, classifier pairs we selected from this investigation are as follows:</a:t>
+              <a:t>The three feature set, classifier </a:t>
+            </a:r>
+            <a:r>
+              <a:rPr lang="en-US" sz="3200" dirty="0">
+                <a:latin typeface="Open Sans" panose="020B0606030504020204" pitchFamily="34" charset="0"/>
+                <a:ea typeface="Open Sans" panose="020B0606030504020204" pitchFamily="34" charset="0"/>
+                <a:cs typeface="Open Sans" panose="020B0606030504020204" pitchFamily="34" charset="0"/>
+              </a:rPr>
+              <a:t>pairs</a:t>
+            </a:r>
+            <a:r>
+              <a:rPr lang="en-US" sz="2800" dirty="0">
+                <a:latin typeface="Open Sans" panose="020B0606030504020204" pitchFamily="34" charset="0"/>
+                <a:ea typeface="Open Sans" panose="020B0606030504020204" pitchFamily="34" charset="0"/>
+                <a:cs typeface="Open Sans" panose="020B0606030504020204" pitchFamily="34" charset="0"/>
+              </a:rPr>
+              <a:t> selected for detailed study are as follows:</a:t>
             </a:r>
           </a:p>
         </p:txBody>
@@ -18263,7 +18547,7 @@
         </p:blipFill>
         <p:spPr>
           <a:xfrm>
-            <a:off x="11226018" y="13302216"/>
+            <a:off x="11226018" y="12677376"/>
             <a:ext cx="3899682" cy="2944626"/>
           </a:xfrm>
           <a:prstGeom prst="rect">
@@ -18339,7 +18623,7 @@
         </p:blipFill>
         <p:spPr>
           <a:xfrm>
-            <a:off x="11226018" y="16965208"/>
+            <a:off x="11226018" y="16340368"/>
             <a:ext cx="3900205" cy="2953002"/>
           </a:xfrm>
           <a:prstGeom prst="rect">
@@ -19206,7 +19490,7 @@
         <p:spPr>
           <a:xfrm>
             <a:off x="16324043" y="15764879"/>
-            <a:ext cx="6075736" cy="1200329"/>
+            <a:ext cx="6075736" cy="1815882"/>
           </a:xfrm>
           <a:prstGeom prst="rect">
             <a:avLst/>
@@ -19223,7 +19507,7 @@
               <a:buChar char="•"/>
             </a:pPr>
             <a:r>
-              <a:rPr lang="en-US" sz="2400" b="1" dirty="0">
+              <a:rPr lang="en-US" sz="2800" b="1" dirty="0">
                 <a:latin typeface="Open Sans" panose="020B0606030504020204" pitchFamily="34" charset="0"/>
                 <a:ea typeface="Open Sans" panose="020B0606030504020204" pitchFamily="34" charset="0"/>
                 <a:cs typeface="Open Sans" panose="020B0606030504020204" pitchFamily="34" charset="0"/>
@@ -19231,7 +19515,7 @@
               <a:t>Model</a:t>
             </a:r>
             <a:r>
-              <a:rPr lang="en-US" sz="2400" dirty="0">
+              <a:rPr lang="en-US" sz="2800" dirty="0">
                 <a:latin typeface="Open Sans" panose="020B0606030504020204" pitchFamily="34" charset="0"/>
                 <a:ea typeface="Open Sans" panose="020B0606030504020204" pitchFamily="34" charset="0"/>
                 <a:cs typeface="Open Sans" panose="020B0606030504020204" pitchFamily="34" charset="0"/>
@@ -19245,7 +19529,7 @@
               <a:buChar char="•"/>
             </a:pPr>
             <a:r>
-              <a:rPr lang="en-US" sz="2400" dirty="0">
+              <a:rPr lang="en-US" sz="2800" dirty="0">
                 <a:latin typeface="Open Sans" panose="020B0606030504020204" pitchFamily="34" charset="0"/>
                 <a:ea typeface="Open Sans" panose="020B0606030504020204" pitchFamily="34" charset="0"/>
                 <a:cs typeface="Open Sans" panose="020B0606030504020204" pitchFamily="34" charset="0"/>
@@ -19259,13 +19543,18 @@
               <a:buChar char="•"/>
             </a:pPr>
             <a:r>
-              <a:rPr lang="en-US" sz="2400" dirty="0">
+              <a:rPr lang="en-US" sz="2800" dirty="0">
                 <a:latin typeface="Open Sans" panose="020B0606030504020204" pitchFamily="34" charset="0"/>
                 <a:ea typeface="Open Sans" panose="020B0606030504020204" pitchFamily="34" charset="0"/>
                 <a:cs typeface="Open Sans" panose="020B0606030504020204" pitchFamily="34" charset="0"/>
               </a:rPr>
               <a:t>Best overall with accuracy of 94.2%</a:t>
             </a:r>
+            <a:endParaRPr lang="en-US" sz="2400" dirty="0">
+              <a:latin typeface="Open Sans" panose="020B0606030504020204" pitchFamily="34" charset="0"/>
+              <a:ea typeface="Open Sans" panose="020B0606030504020204" pitchFamily="34" charset="0"/>
+              <a:cs typeface="Open Sans" panose="020B0606030504020204" pitchFamily="34" charset="0"/>
+            </a:endParaRPr>
           </a:p>
         </p:txBody>
       </p:sp>
@@ -19283,8 +19572,8 @@
         </p:nvSpPr>
         <p:spPr>
           <a:xfrm>
-            <a:off x="22522564" y="15770230"/>
-            <a:ext cx="5174475" cy="1200329"/>
+            <a:off x="22192900" y="15770230"/>
+            <a:ext cx="5734507" cy="1384995"/>
           </a:xfrm>
           <a:prstGeom prst="rect">
             <a:avLst/>
@@ -19301,7 +19590,7 @@
               <a:buChar char="•"/>
             </a:pPr>
             <a:r>
-              <a:rPr lang="en-US" sz="2400" b="1" dirty="0">
+              <a:rPr lang="en-US" sz="2800" b="1" dirty="0">
                 <a:latin typeface="Open Sans" panose="020B0606030504020204" pitchFamily="34" charset="0"/>
                 <a:ea typeface="Open Sans" panose="020B0606030504020204" pitchFamily="34" charset="0"/>
                 <a:cs typeface="Open Sans" panose="020B0606030504020204" pitchFamily="34" charset="0"/>
@@ -19309,7 +19598,7 @@
               <a:t>Model</a:t>
             </a:r>
             <a:r>
-              <a:rPr lang="en-US" sz="2400" dirty="0">
+              <a:rPr lang="en-US" sz="2800" dirty="0">
                 <a:latin typeface="Open Sans" panose="020B0606030504020204" pitchFamily="34" charset="0"/>
                 <a:ea typeface="Open Sans" panose="020B0606030504020204" pitchFamily="34" charset="0"/>
                 <a:cs typeface="Open Sans" panose="020B0606030504020204" pitchFamily="34" charset="0"/>
@@ -19317,7 +19606,7 @@
               <a:t>:</a:t>
             </a:r>
             <a:r>
-              <a:rPr lang="en-US" sz="2400" b="1" dirty="0">
+              <a:rPr lang="en-US" sz="2800" b="1" dirty="0">
                 <a:latin typeface="Open Sans" panose="020B0606030504020204" pitchFamily="34" charset="0"/>
                 <a:ea typeface="Open Sans" panose="020B0606030504020204" pitchFamily="34" charset="0"/>
                 <a:cs typeface="Open Sans" panose="020B0606030504020204" pitchFamily="34" charset="0"/>
@@ -19325,7 +19614,7 @@
               <a:t> </a:t>
             </a:r>
             <a:r>
-              <a:rPr lang="en-US" sz="2400" dirty="0">
+              <a:rPr lang="en-US" sz="2800" dirty="0">
                 <a:latin typeface="Open Sans" panose="020B0606030504020204" pitchFamily="34" charset="0"/>
                 <a:ea typeface="Open Sans" panose="020B0606030504020204" pitchFamily="34" charset="0"/>
                 <a:cs typeface="Open Sans" panose="020B0606030504020204" pitchFamily="34" charset="0"/>
@@ -19339,7 +19628,7 @@
               <a:buChar char="•"/>
             </a:pPr>
             <a:r>
-              <a:rPr lang="en-US" sz="2400" dirty="0">
+              <a:rPr lang="en-US" sz="2800" dirty="0">
                 <a:latin typeface="Open Sans" panose="020B0606030504020204" pitchFamily="34" charset="0"/>
                 <a:ea typeface="Open Sans" panose="020B0606030504020204" pitchFamily="34" charset="0"/>
                 <a:cs typeface="Open Sans" panose="020B0606030504020204" pitchFamily="34" charset="0"/>
@@ -19353,7 +19642,7 @@
               <a:buChar char="•"/>
             </a:pPr>
             <a:r>
-              <a:rPr lang="en-US" sz="2400" dirty="0">
+              <a:rPr lang="en-US" sz="2800" dirty="0">
                 <a:latin typeface="Open Sans" panose="020B0606030504020204" pitchFamily="34" charset="0"/>
                 <a:ea typeface="Open Sans" panose="020B0606030504020204" pitchFamily="34" charset="0"/>
                 <a:cs typeface="Open Sans" panose="020B0606030504020204" pitchFamily="34" charset="0"/>
@@ -19378,7 +19667,7 @@
         <p:spPr>
           <a:xfrm>
             <a:off x="27984034" y="15791521"/>
-            <a:ext cx="6075736" cy="1569660"/>
+            <a:ext cx="6075736" cy="2246769"/>
           </a:xfrm>
           <a:prstGeom prst="rect">
             <a:avLst/>
@@ -19395,7 +19684,7 @@
               <a:buChar char="•"/>
             </a:pPr>
             <a:r>
-              <a:rPr lang="en-US" sz="2400" b="1" dirty="0">
+              <a:rPr lang="en-US" sz="2800" b="1" dirty="0">
                 <a:latin typeface="Open Sans" panose="020B0606030504020204" pitchFamily="34" charset="0"/>
                 <a:ea typeface="Open Sans" panose="020B0606030504020204" pitchFamily="34" charset="0"/>
                 <a:cs typeface="Open Sans" panose="020B0606030504020204" pitchFamily="34" charset="0"/>
@@ -19403,7 +19692,7 @@
               <a:t>Model</a:t>
             </a:r>
             <a:r>
-              <a:rPr lang="en-US" sz="2400" dirty="0">
+              <a:rPr lang="en-US" sz="2800" dirty="0">
                 <a:latin typeface="Open Sans" panose="020B0606030504020204" pitchFamily="34" charset="0"/>
                 <a:ea typeface="Open Sans" panose="020B0606030504020204" pitchFamily="34" charset="0"/>
                 <a:cs typeface="Open Sans" panose="020B0606030504020204" pitchFamily="34" charset="0"/>
@@ -19417,7 +19706,7 @@
               <a:buChar char="•"/>
             </a:pPr>
             <a:r>
-              <a:rPr lang="en-US" sz="2400" dirty="0">
+              <a:rPr lang="en-US" sz="2800" dirty="0">
                 <a:latin typeface="Open Sans" panose="020B0606030504020204" pitchFamily="34" charset="0"/>
                 <a:ea typeface="Open Sans" panose="020B0606030504020204" pitchFamily="34" charset="0"/>
                 <a:cs typeface="Open Sans" panose="020B0606030504020204" pitchFamily="34" charset="0"/>
@@ -19431,7 +19720,7 @@
               <a:buChar char="•"/>
             </a:pPr>
             <a:r>
-              <a:rPr lang="en-US" sz="2400" dirty="0">
+              <a:rPr lang="en-US" sz="2800" dirty="0">
                 <a:latin typeface="Open Sans" panose="020B0606030504020204" pitchFamily="34" charset="0"/>
                 <a:ea typeface="Open Sans" panose="020B0606030504020204" pitchFamily="34" charset="0"/>
                 <a:cs typeface="Open Sans" panose="020B0606030504020204" pitchFamily="34" charset="0"/>
@@ -19677,7 +19966,7 @@
         </p:nvSpPr>
         <p:spPr>
           <a:xfrm>
-            <a:off x="34749291" y="23141018"/>
+            <a:off x="34749291" y="23496618"/>
             <a:ext cx="8277225" cy="646331"/>
           </a:xfrm>
           <a:prstGeom prst="rect">
@@ -19730,8 +20019,8 @@
         </p:nvSpPr>
         <p:spPr>
           <a:xfrm>
-            <a:off x="34742591" y="24140755"/>
-            <a:ext cx="8277225" cy="3970318"/>
+            <a:off x="34742591" y="24445555"/>
+            <a:ext cx="8277225" cy="4247317"/>
           </a:xfrm>
           <a:prstGeom prst="rect">
             <a:avLst/>
@@ -19749,7 +20038,7 @@
               <a:buChar char="•"/>
             </a:pPr>
             <a:r>
-              <a:rPr lang="en-US" sz="2800" dirty="0">
+              <a:rPr lang="en-US" sz="3000" dirty="0">
                 <a:latin typeface="Open Sans" panose="020B0606030504020204" pitchFamily="34" charset="0"/>
                 <a:ea typeface="Open Sans" panose="020B0606030504020204" pitchFamily="34" charset="0"/>
                 <a:cs typeface="Open Sans" panose="020B0606030504020204" pitchFamily="34" charset="0"/>
@@ -19763,7 +20052,7 @@
               <a:buChar char="•"/>
             </a:pPr>
             <a:r>
-              <a:rPr lang="en-US" sz="2800" dirty="0">
+              <a:rPr lang="en-US" sz="3000" dirty="0">
                 <a:latin typeface="Open Sans" panose="020B0606030504020204" pitchFamily="34" charset="0"/>
                 <a:ea typeface="Open Sans" panose="020B0606030504020204" pitchFamily="34" charset="0"/>
                 <a:cs typeface="Open Sans" panose="020B0606030504020204" pitchFamily="34" charset="0"/>
@@ -19777,7 +20066,7 @@
               <a:buChar char="•"/>
             </a:pPr>
             <a:r>
-              <a:rPr lang="en-US" sz="2800" dirty="0">
+              <a:rPr lang="en-US" sz="3000" dirty="0">
                 <a:latin typeface="Open Sans" panose="020B0606030504020204" pitchFamily="34" charset="0"/>
                 <a:ea typeface="Open Sans" panose="020B0606030504020204" pitchFamily="34" charset="0"/>
                 <a:cs typeface="Open Sans" panose="020B0606030504020204" pitchFamily="34" charset="0"/>

--- a/devdocs/EnvNoiseDetectorPosterExampleWhite_v2.pptx
+++ b/devdocs/EnvNoiseDetectorPosterExampleWhite_v2.pptx
@@ -4020,12 +4020,20 @@
               <a:buChar char="•"/>
             </a:pPr>
             <a:r>
+              <a:rPr lang="en-US" sz="3000">
+                <a:latin typeface="Open Sans" panose="020B0606030504020204" pitchFamily="34" charset="0"/>
+                <a:ea typeface="Open Sans" panose="020B0606030504020204" pitchFamily="34" charset="0"/>
+                <a:cs typeface="Open Sans" panose="020B0606030504020204" pitchFamily="34" charset="0"/>
+              </a:rPr>
+              <a:t>72 </a:t>
+            </a:r>
+            <a:r>
               <a:rPr lang="en-US" sz="3000" dirty="0">
                 <a:latin typeface="Open Sans" panose="020B0606030504020204" pitchFamily="34" charset="0"/>
                 <a:ea typeface="Open Sans" panose="020B0606030504020204" pitchFamily="34" charset="0"/>
                 <a:cs typeface="Open Sans" panose="020B0606030504020204" pitchFamily="34" charset="0"/>
               </a:rPr>
-              <a:t>66 Total</a:t>
+              <a:t>Total</a:t>
             </a:r>
           </a:p>
           <a:p>
@@ -4053,7 +4061,7 @@
                 <a:ea typeface="Open Sans" panose="020B0606030504020204" pitchFamily="34" charset="0"/>
                 <a:cs typeface="Open Sans" panose="020B0606030504020204" pitchFamily="34" charset="0"/>
               </a:rPr>
-              <a:t>49 Aircraft and Ambient Recordings</a:t>
+              <a:t>59 Aircraft and Ambient Recordings</a:t>
             </a:r>
           </a:p>
           <a:p>

--- a/devdocs/EnvNoiseDetectorPosterExampleWhite_v2.pptx
+++ b/devdocs/EnvNoiseDetectorPosterExampleWhite_v2.pptx
@@ -6877,7 +6877,7 @@
         <p:spPr>
           <a:xfrm>
             <a:off x="16148297" y="24268233"/>
-            <a:ext cx="8749323" cy="461665"/>
+            <a:ext cx="17974603" cy="461665"/>
           </a:xfrm>
           <a:prstGeom prst="rect">
             <a:avLst/>
@@ -6902,52 +6902,7 @@
                 <a:ea typeface="Open Sans" panose="020B0606030504020204" pitchFamily="34" charset="0"/>
                 <a:cs typeface="Open Sans" panose="020B0606030504020204" pitchFamily="34" charset="0"/>
               </a:rPr>
-              <a:t>Glossary</a:t>
-            </a:r>
-          </a:p>
-        </p:txBody>
-      </p:sp>
-      <p:sp>
-        <p:nvSpPr>
-          <p:cNvPr id="47" name="TextBox 46">
-            <a:extLst>
-              <a:ext uri="{FF2B5EF4-FFF2-40B4-BE49-F238E27FC236}">
-                <a16:creationId xmlns:a16="http://schemas.microsoft.com/office/drawing/2014/main" id="{3CAFDC0C-F9B7-42F6-809A-D122B7013A0C}"/>
-              </a:ext>
-            </a:extLst>
-          </p:cNvPr>
-          <p:cNvSpPr txBox="1"/>
-          <p:nvPr/>
-        </p:nvSpPr>
-        <p:spPr>
-          <a:xfrm>
-            <a:off x="25269022" y="24268232"/>
-            <a:ext cx="8749323" cy="461665"/>
-          </a:xfrm>
-          <a:prstGeom prst="rect">
-            <a:avLst/>
-          </a:prstGeom>
-          <a:noFill/>
-          <a:ln w="6350">
-            <a:solidFill>
-              <a:srgbClr val="191E28"/>
-            </a:solidFill>
-          </a:ln>
-        </p:spPr>
-        <p:txBody>
-          <a:bodyPr wrap="square" rtlCol="0">
-            <a:spAutoFit/>
-          </a:bodyPr>
-          <a:lstStyle/>
-          <a:p>
-            <a:pPr algn="ctr"/>
-            <a:r>
-              <a:rPr lang="en-US" sz="2400" b="1" dirty="0">
-                <a:latin typeface="Open Sans" panose="020B0606030504020204" pitchFamily="34" charset="0"/>
-                <a:ea typeface="Open Sans" panose="020B0606030504020204" pitchFamily="34" charset="0"/>
-                <a:cs typeface="Open Sans" panose="020B0606030504020204" pitchFamily="34" charset="0"/>
-              </a:rPr>
-              <a:t>Something Else?</a:t>
+              <a:t>Glossary / Reference</a:t>
             </a:r>
           </a:p>
         </p:txBody>
@@ -6967,7 +6922,7 @@
         <p:spPr>
           <a:xfrm>
             <a:off x="16170004" y="24973765"/>
-            <a:ext cx="8727616" cy="6555641"/>
+            <a:ext cx="8727616" cy="6093976"/>
           </a:xfrm>
           <a:prstGeom prst="rect">
             <a:avLst/>
@@ -6991,7 +6946,7 @@
                 <a:ea typeface="Open Sans" panose="020B0606030504020204" pitchFamily="34" charset="0"/>
                 <a:cs typeface="Open Sans" panose="020B0606030504020204" pitchFamily="34" charset="0"/>
               </a:rPr>
-              <a:t>Mel-Frequency Cepstral Coefficients (MFCC)</a:t>
+              <a:t>Mel Scale</a:t>
             </a:r>
           </a:p>
           <a:p>
@@ -7001,15 +6956,15 @@
                 <a:ea typeface="Open Sans" panose="020B0606030504020204" pitchFamily="34" charset="0"/>
                 <a:cs typeface="Open Sans" panose="020B0606030504020204" pitchFamily="34" charset="0"/>
               </a:rPr>
-              <a:t>Coefficients that are derived from a non-linear transform of a spectrum that are equally spaced on the </a:t>
-            </a:r>
-            <a:r>
-              <a:rPr lang="en-US" sz="3000" dirty="0" err="1">
-                <a:latin typeface="Open Sans" panose="020B0606030504020204" pitchFamily="34" charset="0"/>
-                <a:ea typeface="Open Sans" panose="020B0606030504020204" pitchFamily="34" charset="0"/>
-                <a:cs typeface="Open Sans" panose="020B0606030504020204" pitchFamily="34" charset="0"/>
-              </a:rPr>
-              <a:t>mel</a:t>
+              <a:t>A scale of pitches that is based on human perception to judge </a:t>
+            </a:r>
+            <a:r>
+              <a:rPr lang="en-US" sz="3000">
+                <a:latin typeface="Open Sans" panose="020B0606030504020204" pitchFamily="34" charset="0"/>
+                <a:ea typeface="Open Sans" panose="020B0606030504020204" pitchFamily="34" charset="0"/>
+                <a:cs typeface="Open Sans" panose="020B0606030504020204" pitchFamily="34" charset="0"/>
+              </a:rPr>
+              <a:t>the non-linear </a:t>
             </a:r>
             <a:r>
               <a:rPr lang="en-US" sz="3000" dirty="0">
@@ -7017,10 +6972,16 @@
                 <a:ea typeface="Open Sans" panose="020B0606030504020204" pitchFamily="34" charset="0"/>
                 <a:cs typeface="Open Sans" panose="020B0606030504020204" pitchFamily="34" charset="0"/>
               </a:rPr>
-              <a:t> scale.</a:t>
-            </a:r>
-          </a:p>
-          <a:p>
+              <a:t>distance </a:t>
+            </a:r>
+            <a:r>
+              <a:rPr lang="en-US" sz="3000">
+                <a:latin typeface="Open Sans" panose="020B0606030504020204" pitchFamily="34" charset="0"/>
+                <a:ea typeface="Open Sans" panose="020B0606030504020204" pitchFamily="34" charset="0"/>
+                <a:cs typeface="Open Sans" panose="020B0606030504020204" pitchFamily="34" charset="0"/>
+              </a:rPr>
+              <a:t>between pitches.</a:t>
+            </a:r>
             <a:endParaRPr lang="en-US" sz="3000" dirty="0">
               <a:latin typeface="Open Sans" panose="020B0606030504020204" pitchFamily="34" charset="0"/>
               <a:ea typeface="Open Sans" panose="020B0606030504020204" pitchFamily="34" charset="0"/>
@@ -7028,13 +6989,20 @@
             </a:endParaRPr>
           </a:p>
           <a:p>
+            <a:endParaRPr lang="en-US" sz="3000" b="1" dirty="0">
+              <a:latin typeface="Open Sans" panose="020B0606030504020204" pitchFamily="34" charset="0"/>
+              <a:ea typeface="Open Sans" panose="020B0606030504020204" pitchFamily="34" charset="0"/>
+              <a:cs typeface="Open Sans" panose="020B0606030504020204" pitchFamily="34" charset="0"/>
+            </a:endParaRPr>
+          </a:p>
+          <a:p>
             <a:r>
               <a:rPr lang="en-US" sz="3000" b="1" dirty="0">
                 <a:latin typeface="Open Sans" panose="020B0606030504020204" pitchFamily="34" charset="0"/>
                 <a:ea typeface="Open Sans" panose="020B0606030504020204" pitchFamily="34" charset="0"/>
                 <a:cs typeface="Open Sans" panose="020B0606030504020204" pitchFamily="34" charset="0"/>
               </a:rPr>
-              <a:t>Wavelet</a:t>
+              <a:t>Mel-Frequency Cepstral Coefficients (MFCC)</a:t>
             </a:r>
           </a:p>
           <a:p>
@@ -7044,7 +7012,23 @@
                 <a:ea typeface="Open Sans" panose="020B0606030504020204" pitchFamily="34" charset="0"/>
                 <a:cs typeface="Open Sans" panose="020B0606030504020204" pitchFamily="34" charset="0"/>
               </a:rPr>
-              <a:t>Definition of wavelet goes here</a:t>
+              <a:t>Coefficients that are derived from a non-linear transform of a spectrum that are equally spaced on the </a:t>
+            </a:r>
+            <a:r>
+              <a:rPr lang="en-US" sz="3000" dirty="0" err="1">
+                <a:latin typeface="Open Sans" panose="020B0606030504020204" pitchFamily="34" charset="0"/>
+                <a:ea typeface="Open Sans" panose="020B0606030504020204" pitchFamily="34" charset="0"/>
+                <a:cs typeface="Open Sans" panose="020B0606030504020204" pitchFamily="34" charset="0"/>
+              </a:rPr>
+              <a:t>mel</a:t>
+            </a:r>
+            <a:r>
+              <a:rPr lang="en-US" sz="3000" dirty="0">
+                <a:latin typeface="Open Sans" panose="020B0606030504020204" pitchFamily="34" charset="0"/>
+                <a:ea typeface="Open Sans" panose="020B0606030504020204" pitchFamily="34" charset="0"/>
+                <a:cs typeface="Open Sans" panose="020B0606030504020204" pitchFamily="34" charset="0"/>
+              </a:rPr>
+              <a:t> scale.</a:t>
             </a:r>
           </a:p>
           <a:p>
@@ -7061,7 +7045,7 @@
                 <a:ea typeface="Open Sans" panose="020B0606030504020204" pitchFamily="34" charset="0"/>
                 <a:cs typeface="Open Sans" panose="020B0606030504020204" pitchFamily="34" charset="0"/>
               </a:rPr>
-              <a:t>Coiflet2</a:t>
+              <a:t>Signal-To-Noise Ratio</a:t>
             </a:r>
           </a:p>
           <a:p>
@@ -7071,7 +7055,61 @@
                 <a:ea typeface="Open Sans" panose="020B0606030504020204" pitchFamily="34" charset="0"/>
                 <a:cs typeface="Open Sans" panose="020B0606030504020204" pitchFamily="34" charset="0"/>
               </a:rPr>
-              <a:t>Definition of Coiflet2 goes here</a:t>
+              <a:t>A ratio comparing the level of a clean signal to the level of the background noise.</a:t>
+            </a:r>
+          </a:p>
+        </p:txBody>
+      </p:sp>
+      <p:sp>
+        <p:nvSpPr>
+          <p:cNvPr id="48" name="TextBox 47">
+            <a:extLst>
+              <a:ext uri="{FF2B5EF4-FFF2-40B4-BE49-F238E27FC236}">
+                <a16:creationId xmlns:a16="http://schemas.microsoft.com/office/drawing/2014/main" id="{ED245F77-4E2D-44F4-A164-F648F97A8F7E}"/>
+              </a:ext>
+            </a:extLst>
+          </p:cNvPr>
+          <p:cNvSpPr txBox="1"/>
+          <p:nvPr/>
+        </p:nvSpPr>
+        <p:spPr>
+          <a:xfrm>
+            <a:off x="25367163" y="24973765"/>
+            <a:ext cx="8727616" cy="7478970"/>
+          </a:xfrm>
+          <a:prstGeom prst="rect">
+            <a:avLst/>
+          </a:prstGeom>
+          <a:noFill/>
+          <a:ln>
+            <a:solidFill>
+              <a:schemeClr val="bg1"/>
+            </a:solidFill>
+          </a:ln>
+        </p:spPr>
+        <p:txBody>
+          <a:bodyPr wrap="square" rtlCol="0">
+            <a:spAutoFit/>
+          </a:bodyPr>
+          <a:lstStyle/>
+          <a:p>
+            <a:r>
+              <a:rPr lang="en-US" sz="3000" b="1" dirty="0">
+                <a:latin typeface="Open Sans" panose="020B0606030504020204" pitchFamily="34" charset="0"/>
+                <a:ea typeface="Open Sans" panose="020B0606030504020204" pitchFamily="34" charset="0"/>
+                <a:cs typeface="Open Sans" panose="020B0606030504020204" pitchFamily="34" charset="0"/>
+              </a:rPr>
+              <a:t>Wavelet Transform</a:t>
+            </a:r>
+          </a:p>
+          <a:p>
+            <a:r>
+              <a:rPr lang="en-US" sz="3000" dirty="0">
+                <a:latin typeface="Open Sans" panose="020B0606030504020204" pitchFamily="34" charset="0"/>
+                <a:ea typeface="Open Sans" panose="020B0606030504020204" pitchFamily="34" charset="0"/>
+                <a:cs typeface="Open Sans" panose="020B0606030504020204" pitchFamily="34" charset="0"/>
+              </a:rPr>
+              <a:t>A representation of a square-integrable signal using an orthonormal basis formed by scaled and shifted versions of a chosen "mother wavelet." The Wavelet Transform is advantageous over the Fourier Transform in representing finite, non-stationary and/or non-periodic signals.</a:t>
             </a:r>
           </a:p>
           <a:p>
@@ -7088,7 +7126,7 @@
                 <a:ea typeface="Open Sans" panose="020B0606030504020204" pitchFamily="34" charset="0"/>
                 <a:cs typeface="Open Sans" panose="020B0606030504020204" pitchFamily="34" charset="0"/>
               </a:rPr>
-              <a:t>Signal-To-Noise Ratio</a:t>
+              <a:t>Coiflet2</a:t>
             </a:r>
           </a:p>
           <a:p>
@@ -7098,7 +7136,7 @@
                 <a:ea typeface="Open Sans" panose="020B0606030504020204" pitchFamily="34" charset="0"/>
                 <a:cs typeface="Open Sans" panose="020B0606030504020204" pitchFamily="34" charset="0"/>
               </a:rPr>
-              <a:t>A ratio comparing the level of a clean signal to the level of the background noise.</a:t>
+              <a:t>Class of "mother wavelet" with 2 vanishing moments. A type of discrete wavelet invented by renowned mathematician Ingrid Daubechies with the special property that both its low-pass and high-pass filter constituents have vanishing moments.</a:t>
             </a:r>
           </a:p>
         </p:txBody>

--- a/devdocs/EnvNoiseDetectorPosterExampleWhite_v2.pptx
+++ b/devdocs/EnvNoiseDetectorPosterExampleWhite_v2.pptx
@@ -131,12 +131,12 @@
   <pc:docChgLst>
     <pc:chgData name="Todd Schultz" userId="ba2af144d448b369" providerId="LiveId" clId="{DCCFD9F7-8467-4B55-949C-D4DF018331E4}"/>
     <pc:docChg chg="undo custSel modSld">
-      <pc:chgData name="Todd Schultz" userId="ba2af144d448b369" providerId="LiveId" clId="{DCCFD9F7-8467-4B55-949C-D4DF018331E4}" dt="2019-03-08T04:41:29.372" v="1630" actId="1036"/>
+      <pc:chgData name="Todd Schultz" userId="ba2af144d448b369" providerId="LiveId" clId="{DCCFD9F7-8467-4B55-949C-D4DF018331E4}" dt="2019-03-10T04:07:53.516" v="1661" actId="1036"/>
       <pc:docMkLst>
         <pc:docMk/>
       </pc:docMkLst>
       <pc:sldChg chg="modSp">
-        <pc:chgData name="Todd Schultz" userId="ba2af144d448b369" providerId="LiveId" clId="{DCCFD9F7-8467-4B55-949C-D4DF018331E4}" dt="2019-03-08T04:41:29.372" v="1630" actId="1036"/>
+        <pc:chgData name="Todd Schultz" userId="ba2af144d448b369" providerId="LiveId" clId="{DCCFD9F7-8467-4B55-949C-D4DF018331E4}" dt="2019-03-10T04:07:53.516" v="1661" actId="1036"/>
         <pc:sldMkLst>
           <pc:docMk/>
           <pc:sldMk cId="2702275411" sldId="256"/>
@@ -206,7 +206,7 @@
           </ac:spMkLst>
         </pc:spChg>
         <pc:spChg chg="mod">
-          <ac:chgData name="Todd Schultz" userId="ba2af144d448b369" providerId="LiveId" clId="{DCCFD9F7-8467-4B55-949C-D4DF018331E4}" dt="2019-03-08T04:33:11.145" v="905" actId="403"/>
+          <ac:chgData name="Todd Schultz" userId="ba2af144d448b369" providerId="LiveId" clId="{DCCFD9F7-8467-4B55-949C-D4DF018331E4}" dt="2019-03-10T04:07:53.516" v="1661" actId="1036"/>
           <ac:spMkLst>
             <pc:docMk/>
             <pc:sldMk cId="2702275411" sldId="256"/>
@@ -230,7 +230,7 @@
           </ac:spMkLst>
         </pc:spChg>
         <pc:spChg chg="mod">
-          <ac:chgData name="Todd Schultz" userId="ba2af144d448b369" providerId="LiveId" clId="{DCCFD9F7-8467-4B55-949C-D4DF018331E4}" dt="2019-03-08T04:41:29.372" v="1630" actId="1036"/>
+          <ac:chgData name="Todd Schultz" userId="ba2af144d448b369" providerId="LiveId" clId="{DCCFD9F7-8467-4B55-949C-D4DF018331E4}" dt="2019-03-10T04:06:26.307" v="1650" actId="1035"/>
           <ac:spMkLst>
             <pc:docMk/>
             <pc:sldMk cId="2702275411" sldId="256"/>
@@ -238,7 +238,7 @@
           </ac:spMkLst>
         </pc:spChg>
         <pc:spChg chg="mod">
-          <ac:chgData name="Todd Schultz" userId="ba2af144d448b369" providerId="LiveId" clId="{DCCFD9F7-8467-4B55-949C-D4DF018331E4}" dt="2019-03-08T04:41:26.158" v="1625" actId="1036"/>
+          <ac:chgData name="Todd Schultz" userId="ba2af144d448b369" providerId="LiveId" clId="{DCCFD9F7-8467-4B55-949C-D4DF018331E4}" dt="2019-03-10T04:06:37.293" v="1659" actId="1035"/>
           <ac:spMkLst>
             <pc:docMk/>
             <pc:sldMk cId="2702275411" sldId="256"/>
@@ -6191,7 +6191,7 @@
         </p:nvSpPr>
         <p:spPr>
           <a:xfrm>
-            <a:off x="16324043" y="5627410"/>
+            <a:off x="16324043" y="5686404"/>
             <a:ext cx="6075736" cy="2246769"/>
           </a:xfrm>
           <a:prstGeom prst="rect">
@@ -6713,7 +6713,7 @@
         </p:nvSpPr>
         <p:spPr>
           <a:xfrm>
-            <a:off x="34749291" y="24553893"/>
+            <a:off x="34749291" y="24052444"/>
             <a:ext cx="8277225" cy="646331"/>
           </a:xfrm>
           <a:prstGeom prst="rect">
@@ -6766,7 +6766,7 @@
         </p:nvSpPr>
         <p:spPr>
           <a:xfrm>
-            <a:off x="34742591" y="25245655"/>
+            <a:off x="34742591" y="24862194"/>
             <a:ext cx="8277225" cy="4247317"/>
           </a:xfrm>
           <a:prstGeom prst="rect">

--- a/devdocs/EnvNoiseDetectorPosterExampleWhite_v2.pptx
+++ b/devdocs/EnvNoiseDetectorPosterExampleWhite_v2.pptx
@@ -131,12 +131,12 @@
   <pc:docChgLst>
     <pc:chgData name="Todd Schultz" userId="ba2af144d448b369" providerId="LiveId" clId="{DCCFD9F7-8467-4B55-949C-D4DF018331E4}"/>
     <pc:docChg chg="undo custSel modSld">
-      <pc:chgData name="Todd Schultz" userId="ba2af144d448b369" providerId="LiveId" clId="{DCCFD9F7-8467-4B55-949C-D4DF018331E4}" dt="2019-03-10T04:07:53.516" v="1661" actId="1036"/>
+      <pc:chgData name="Todd Schultz" userId="ba2af144d448b369" providerId="LiveId" clId="{DCCFD9F7-8467-4B55-949C-D4DF018331E4}" dt="2019-03-11T04:59:28.506" v="1673" actId="1037"/>
       <pc:docMkLst>
         <pc:docMk/>
       </pc:docMkLst>
       <pc:sldChg chg="modSp">
-        <pc:chgData name="Todd Schultz" userId="ba2af144d448b369" providerId="LiveId" clId="{DCCFD9F7-8467-4B55-949C-D4DF018331E4}" dt="2019-03-10T04:07:53.516" v="1661" actId="1036"/>
+        <pc:chgData name="Todd Schultz" userId="ba2af144d448b369" providerId="LiveId" clId="{DCCFD9F7-8467-4B55-949C-D4DF018331E4}" dt="2019-03-11T04:59:28.506" v="1673" actId="1037"/>
         <pc:sldMkLst>
           <pc:docMk/>
           <pc:sldMk cId="2702275411" sldId="256"/>
@@ -206,7 +206,7 @@
           </ac:spMkLst>
         </pc:spChg>
         <pc:spChg chg="mod">
-          <ac:chgData name="Todd Schultz" userId="ba2af144d448b369" providerId="LiveId" clId="{DCCFD9F7-8467-4B55-949C-D4DF018331E4}" dt="2019-03-10T04:07:53.516" v="1661" actId="1036"/>
+          <ac:chgData name="Todd Schultz" userId="ba2af144d448b369" providerId="LiveId" clId="{DCCFD9F7-8467-4B55-949C-D4DF018331E4}" dt="2019-03-11T04:59:16.291" v="1666" actId="1037"/>
           <ac:spMkLst>
             <pc:docMk/>
             <pc:sldMk cId="2702275411" sldId="256"/>
@@ -214,7 +214,7 @@
           </ac:spMkLst>
         </pc:spChg>
         <pc:spChg chg="mod">
-          <ac:chgData name="Todd Schultz" userId="ba2af144d448b369" providerId="LiveId" clId="{DCCFD9F7-8467-4B55-949C-D4DF018331E4}" dt="2019-03-08T04:34:17.101" v="909" actId="14100"/>
+          <ac:chgData name="Todd Schultz" userId="ba2af144d448b369" providerId="LiveId" clId="{DCCFD9F7-8467-4B55-949C-D4DF018331E4}" dt="2019-03-11T04:59:28.506" v="1673" actId="1037"/>
           <ac:spMkLst>
             <pc:docMk/>
             <pc:sldMk cId="2702275411" sldId="256"/>
@@ -222,7 +222,7 @@
           </ac:spMkLst>
         </pc:spChg>
         <pc:spChg chg="mod">
-          <ac:chgData name="Todd Schultz" userId="ba2af144d448b369" providerId="LiveId" clId="{DCCFD9F7-8467-4B55-949C-D4DF018331E4}" dt="2019-03-08T04:33:17.402" v="907" actId="403"/>
+          <ac:chgData name="Todd Schultz" userId="ba2af144d448b369" providerId="LiveId" clId="{DCCFD9F7-8467-4B55-949C-D4DF018331E4}" dt="2019-03-11T04:59:04.066" v="1663" actId="14100"/>
           <ac:spMkLst>
             <pc:docMk/>
             <pc:sldMk cId="2702275411" sldId="256"/>
@@ -349,7 +349,7 @@
           <a:p>
             <a:fld id="{24822B7A-A7E0-428B-B58D-1FACBB86113F}" type="datetimeFigureOut">
               <a:rPr lang="en-US" smtClean="0"/>
-              <a:t>3/9/2019</a:t>
+              <a:t>3/10/2019</a:t>
             </a:fld>
             <a:endParaRPr lang="en-US"/>
           </a:p>
@@ -747,7 +747,7 @@
           <a:p>
             <a:fld id="{E153FC24-88DC-4CE4-A3C2-9F31CD4F9CE4}" type="datetimeFigureOut">
               <a:rPr lang="en-US" smtClean="0"/>
-              <a:t>3/9/2019</a:t>
+              <a:t>3/10/2019</a:t>
             </a:fld>
             <a:endParaRPr lang="en-US"/>
           </a:p>
@@ -917,7 +917,7 @@
           <a:p>
             <a:fld id="{E153FC24-88DC-4CE4-A3C2-9F31CD4F9CE4}" type="datetimeFigureOut">
               <a:rPr lang="en-US" smtClean="0"/>
-              <a:t>3/9/2019</a:t>
+              <a:t>3/10/2019</a:t>
             </a:fld>
             <a:endParaRPr lang="en-US"/>
           </a:p>
@@ -1097,7 +1097,7 @@
           <a:p>
             <a:fld id="{E153FC24-88DC-4CE4-A3C2-9F31CD4F9CE4}" type="datetimeFigureOut">
               <a:rPr lang="en-US" smtClean="0"/>
-              <a:t>3/9/2019</a:t>
+              <a:t>3/10/2019</a:t>
             </a:fld>
             <a:endParaRPr lang="en-US"/>
           </a:p>
@@ -1267,7 +1267,7 @@
           <a:p>
             <a:fld id="{E153FC24-88DC-4CE4-A3C2-9F31CD4F9CE4}" type="datetimeFigureOut">
               <a:rPr lang="en-US" smtClean="0"/>
-              <a:t>3/9/2019</a:t>
+              <a:t>3/10/2019</a:t>
             </a:fld>
             <a:endParaRPr lang="en-US"/>
           </a:p>
@@ -1511,7 +1511,7 @@
           <a:p>
             <a:fld id="{E153FC24-88DC-4CE4-A3C2-9F31CD4F9CE4}" type="datetimeFigureOut">
               <a:rPr lang="en-US" smtClean="0"/>
-              <a:t>3/9/2019</a:t>
+              <a:t>3/10/2019</a:t>
             </a:fld>
             <a:endParaRPr lang="en-US"/>
           </a:p>
@@ -1743,7 +1743,7 @@
           <a:p>
             <a:fld id="{E153FC24-88DC-4CE4-A3C2-9F31CD4F9CE4}" type="datetimeFigureOut">
               <a:rPr lang="en-US" smtClean="0"/>
-              <a:t>3/9/2019</a:t>
+              <a:t>3/10/2019</a:t>
             </a:fld>
             <a:endParaRPr lang="en-US"/>
           </a:p>
@@ -2110,7 +2110,7 @@
           <a:p>
             <a:fld id="{E153FC24-88DC-4CE4-A3C2-9F31CD4F9CE4}" type="datetimeFigureOut">
               <a:rPr lang="en-US" smtClean="0"/>
-              <a:t>3/9/2019</a:t>
+              <a:t>3/10/2019</a:t>
             </a:fld>
             <a:endParaRPr lang="en-US"/>
           </a:p>
@@ -2228,7 +2228,7 @@
           <a:p>
             <a:fld id="{E153FC24-88DC-4CE4-A3C2-9F31CD4F9CE4}" type="datetimeFigureOut">
               <a:rPr lang="en-US" smtClean="0"/>
-              <a:t>3/9/2019</a:t>
+              <a:t>3/10/2019</a:t>
             </a:fld>
             <a:endParaRPr lang="en-US"/>
           </a:p>
@@ -2323,7 +2323,7 @@
           <a:p>
             <a:fld id="{E153FC24-88DC-4CE4-A3C2-9F31CD4F9CE4}" type="datetimeFigureOut">
               <a:rPr lang="en-US" smtClean="0"/>
-              <a:t>3/9/2019</a:t>
+              <a:t>3/10/2019</a:t>
             </a:fld>
             <a:endParaRPr lang="en-US"/>
           </a:p>
@@ -2600,7 +2600,7 @@
           <a:p>
             <a:fld id="{E153FC24-88DC-4CE4-A3C2-9F31CD4F9CE4}" type="datetimeFigureOut">
               <a:rPr lang="en-US" smtClean="0"/>
-              <a:t>3/9/2019</a:t>
+              <a:t>3/10/2019</a:t>
             </a:fld>
             <a:endParaRPr lang="en-US"/>
           </a:p>
@@ -2857,7 +2857,7 @@
           <a:p>
             <a:fld id="{E153FC24-88DC-4CE4-A3C2-9F31CD4F9CE4}" type="datetimeFigureOut">
               <a:rPr lang="en-US" smtClean="0"/>
-              <a:t>3/9/2019</a:t>
+              <a:t>3/10/2019</a:t>
             </a:fld>
             <a:endParaRPr lang="en-US"/>
           </a:p>
@@ -3070,7 +3070,7 @@
           <a:p>
             <a:fld id="{E153FC24-88DC-4CE4-A3C2-9F31CD4F9CE4}" type="datetimeFigureOut">
               <a:rPr lang="en-US" smtClean="0"/>
-              <a:t>3/9/2019</a:t>
+              <a:t>3/10/2019</a:t>
             </a:fld>
             <a:endParaRPr lang="en-US"/>
           </a:p>
@@ -6191,7 +6191,7 @@
         </p:nvSpPr>
         <p:spPr>
           <a:xfrm>
-            <a:off x="16324043" y="5686404"/>
+            <a:off x="16235552" y="5686404"/>
             <a:ext cx="6075736" cy="2246769"/>
           </a:xfrm>
           <a:prstGeom prst="rect">
@@ -6282,8 +6282,8 @@
         </p:nvSpPr>
         <p:spPr>
           <a:xfrm>
-            <a:off x="22509382" y="5697000"/>
-            <a:ext cx="5734507" cy="1815882"/>
+            <a:off x="22302903" y="5697000"/>
+            <a:ext cx="6075736" cy="1815882"/>
           </a:xfrm>
           <a:prstGeom prst="rect">
             <a:avLst/>
@@ -6385,7 +6385,7 @@
         <p:spPr>
           <a:xfrm>
             <a:off x="28325263" y="5651698"/>
-            <a:ext cx="5734507" cy="2677656"/>
+            <a:ext cx="5812338" cy="2246769"/>
           </a:xfrm>
           <a:prstGeom prst="rect">
             <a:avLst/>
